--- a/Presentazione per theta by squirtle squad.pptx
+++ b/Presentazione per theta by squirtle squad.pptx
@@ -29647,42 +29647,14 @@
       </p:sp>
       <p:pic>
         <p:nvPicPr>
-          <p:cNvPr id="295" name="Google Shape;295;p28"/>
-          <p:cNvPicPr preferRelativeResize="0"/>
-          <p:nvPr/>
-        </p:nvPicPr>
-        <p:blipFill>
-          <a:blip r:embed="rId3">
-            <a:alphaModFix/>
-          </a:blip>
-          <a:stretch>
-            <a:fillRect/>
-          </a:stretch>
-        </p:blipFill>
-        <p:spPr>
-          <a:xfrm>
-            <a:off x="145500" y="1458600"/>
-            <a:ext cx="4881825" cy="2476776"/>
-          </a:xfrm>
-          <a:prstGeom prst="rect">
-            <a:avLst/>
-          </a:prstGeom>
-          <a:noFill/>
-          <a:ln>
-            <a:noFill/>
-          </a:ln>
-        </p:spPr>
-      </p:pic>
-      <p:pic>
-        <p:nvPicPr>
-          <p:cNvPr id="296" name="Google Shape;296;p28">
-            <a:hlinkClick r:id="rId4"/>
+          <p:cNvPr id="295" name="Google Shape;295;p28">
+            <a:hlinkClick r:id="rId3"/>
           </p:cNvPr>
           <p:cNvPicPr preferRelativeResize="0"/>
           <p:nvPr/>
         </p:nvPicPr>
         <p:blipFill>
-          <a:blip r:embed="rId5">
+          <a:blip r:embed="rId4">
             <a:alphaModFix/>
           </a:blip>
           <a:stretch>
@@ -29705,8 +29677,8 @@
       </p:pic>
       <p:sp>
         <p:nvSpPr>
-          <p:cNvPr id="297" name="Google Shape;297;p28">
-            <a:hlinkClick r:id="rId6"/>
+          <p:cNvPr id="296" name="Google Shape;296;p28">
+            <a:hlinkClick r:id="rId5"/>
           </p:cNvPr>
           <p:cNvSpPr/>
           <p:nvPr/>
@@ -29750,7 +29722,7 @@
       </p:sp>
       <p:grpSp>
         <p:nvGrpSpPr>
-          <p:cNvPr id="298" name="Google Shape;298;p28"/>
+          <p:cNvPr id="297" name="Google Shape;297;p28"/>
           <p:cNvGrpSpPr/>
           <p:nvPr/>
         </p:nvGrpSpPr>
@@ -29764,7 +29736,7 @@
         </p:grpSpPr>
         <p:sp>
           <p:nvSpPr>
-            <p:cNvPr id="299" name="Google Shape;299;p28"/>
+            <p:cNvPr id="298" name="Google Shape;298;p28"/>
             <p:cNvSpPr/>
             <p:nvPr/>
           </p:nvSpPr>
@@ -29937,6 +29909,171 @@
                     <a:pt x="6096" y="417"/>
                     <a:pt x="5322" y="1"/>
                     <a:pt x="4477" y="1"/>
+                  </a:cubicBezTo>
+                  <a:close/>
+                </a:path>
+              </a:pathLst>
+            </a:custGeom>
+            <a:gradFill>
+              <a:gsLst>
+                <a:gs pos="0">
+                  <a:srgbClr val="8BE3FF"/>
+                </a:gs>
+                <a:gs pos="100000">
+                  <a:srgbClr val="ACFFD9"/>
+                </a:gs>
+              </a:gsLst>
+              <a:path path="circle">
+                <a:fillToRect b="50%" l="50%" r="50%" t="50%"/>
+              </a:path>
+              <a:tileRect/>
+            </a:gradFill>
+            <a:ln>
+              <a:noFill/>
+            </a:ln>
+          </p:spPr>
+          <p:txBody>
+            <a:bodyPr anchorCtr="0" anchor="ctr" bIns="91425" lIns="91425" spcFirstLastPara="1" rIns="91425" wrap="square" tIns="91425">
+              <a:noAutofit/>
+            </a:bodyPr>
+            <a:lstStyle/>
+            <a:p>
+              <a:pPr indent="0" lvl="0" marL="0" rtl="0" algn="l">
+                <a:spcBef>
+                  <a:spcPts val="0"/>
+                </a:spcBef>
+                <a:spcAft>
+                  <a:spcPts val="0"/>
+                </a:spcAft>
+                <a:buNone/>
+              </a:pPr>
+              <a:r>
+                <a:t/>
+              </a:r>
+              <a:endParaRPr/>
+            </a:p>
+          </p:txBody>
+        </p:sp>
+        <p:sp>
+          <p:nvSpPr>
+            <p:cNvPr id="299" name="Google Shape;299;p28"/>
+            <p:cNvSpPr/>
+            <p:nvPr/>
+          </p:nvSpPr>
+          <p:spPr>
+            <a:xfrm>
+              <a:off x="1926844" y="2568626"/>
+              <a:ext cx="131140" cy="174747"/>
+            </a:xfrm>
+            <a:custGeom>
+              <a:rect b="b" l="l" r="r" t="t"/>
+              <a:pathLst>
+                <a:path extrusionOk="0" h="5490" w="4120">
+                  <a:moveTo>
+                    <a:pt x="2417" y="322"/>
+                  </a:moveTo>
+                  <a:lnTo>
+                    <a:pt x="2417" y="1370"/>
+                  </a:lnTo>
+                  <a:cubicBezTo>
+                    <a:pt x="2417" y="1537"/>
+                    <a:pt x="2572" y="1691"/>
+                    <a:pt x="2751" y="1691"/>
+                  </a:cubicBezTo>
+                  <a:lnTo>
+                    <a:pt x="3274" y="1691"/>
+                  </a:lnTo>
+                  <a:cubicBezTo>
+                    <a:pt x="3358" y="1691"/>
+                    <a:pt x="3429" y="1620"/>
+                    <a:pt x="3429" y="1525"/>
+                  </a:cubicBezTo>
+                  <a:cubicBezTo>
+                    <a:pt x="3429" y="1441"/>
+                    <a:pt x="3358" y="1358"/>
+                    <a:pt x="3274" y="1358"/>
+                  </a:cubicBezTo>
+                  <a:lnTo>
+                    <a:pt x="2751" y="1358"/>
+                  </a:lnTo>
+                  <a:cubicBezTo>
+                    <a:pt x="2751" y="1358"/>
+                    <a:pt x="2727" y="1358"/>
+                    <a:pt x="2727" y="1346"/>
+                  </a:cubicBezTo>
+                  <a:lnTo>
+                    <a:pt x="2727" y="346"/>
+                  </a:lnTo>
+                  <a:lnTo>
+                    <a:pt x="3751" y="1358"/>
+                  </a:lnTo>
+                  <a:cubicBezTo>
+                    <a:pt x="3775" y="1394"/>
+                    <a:pt x="3798" y="1441"/>
+                    <a:pt x="3798" y="1501"/>
+                  </a:cubicBezTo>
+                  <a:lnTo>
+                    <a:pt x="3798" y="5180"/>
+                  </a:lnTo>
+                  <a:lnTo>
+                    <a:pt x="3810" y="5180"/>
+                  </a:lnTo>
+                  <a:lnTo>
+                    <a:pt x="334" y="5192"/>
+                  </a:lnTo>
+                  <a:cubicBezTo>
+                    <a:pt x="334" y="5192"/>
+                    <a:pt x="322" y="5192"/>
+                    <a:pt x="322" y="5180"/>
+                  </a:cubicBezTo>
+                  <a:lnTo>
+                    <a:pt x="322" y="334"/>
+                  </a:lnTo>
+                  <a:cubicBezTo>
+                    <a:pt x="322" y="334"/>
+                    <a:pt x="322" y="322"/>
+                    <a:pt x="334" y="322"/>
+                  </a:cubicBezTo>
+                  <a:close/>
+                  <a:moveTo>
+                    <a:pt x="322" y="1"/>
+                  </a:moveTo>
+                  <a:cubicBezTo>
+                    <a:pt x="143" y="1"/>
+                    <a:pt x="0" y="144"/>
+                    <a:pt x="0" y="322"/>
+                  </a:cubicBezTo>
+                  <a:lnTo>
+                    <a:pt x="0" y="5156"/>
+                  </a:lnTo>
+                  <a:cubicBezTo>
+                    <a:pt x="0" y="5335"/>
+                    <a:pt x="143" y="5489"/>
+                    <a:pt x="322" y="5489"/>
+                  </a:cubicBezTo>
+                  <a:lnTo>
+                    <a:pt x="3775" y="5489"/>
+                  </a:lnTo>
+                  <a:cubicBezTo>
+                    <a:pt x="3953" y="5489"/>
+                    <a:pt x="4108" y="5335"/>
+                    <a:pt x="4108" y="5156"/>
+                  </a:cubicBezTo>
+                  <a:lnTo>
+                    <a:pt x="4108" y="1501"/>
+                  </a:lnTo>
+                  <a:cubicBezTo>
+                    <a:pt x="4120" y="1382"/>
+                    <a:pt x="4072" y="1251"/>
+                    <a:pt x="3965" y="1156"/>
+                  </a:cubicBezTo>
+                  <a:lnTo>
+                    <a:pt x="2953" y="144"/>
+                  </a:lnTo>
+                  <a:cubicBezTo>
+                    <a:pt x="2870" y="48"/>
+                    <a:pt x="2739" y="1"/>
+                    <a:pt x="2596" y="1"/>
                   </a:cubicBezTo>
                   <a:close/>
                 </a:path>
@@ -29990,118 +30127,83 @@
           </p:nvSpPr>
           <p:spPr>
             <a:xfrm>
-              <a:off x="1926844" y="2568626"/>
-              <a:ext cx="131140" cy="174747"/>
+              <a:off x="1965485" y="2639893"/>
+              <a:ext cx="55002" cy="70885"/>
             </a:xfrm>
             <a:custGeom>
               <a:rect b="b" l="l" r="r" t="t"/>
               <a:pathLst>
-                <a:path extrusionOk="0" h="5490" w="4120">
+                <a:path extrusionOk="0" h="2227" w="1728">
                   <a:moveTo>
-                    <a:pt x="2417" y="322"/>
+                    <a:pt x="870" y="0"/>
                   </a:moveTo>
+                  <a:cubicBezTo>
+                    <a:pt x="822" y="0"/>
+                    <a:pt x="775" y="36"/>
+                    <a:pt x="751" y="60"/>
+                  </a:cubicBezTo>
                   <a:lnTo>
-                    <a:pt x="2417" y="1370"/>
+                    <a:pt x="60" y="929"/>
                   </a:lnTo>
                   <a:cubicBezTo>
-                    <a:pt x="2417" y="1537"/>
-                    <a:pt x="2572" y="1691"/>
-                    <a:pt x="2751" y="1691"/>
+                    <a:pt x="1" y="1000"/>
+                    <a:pt x="13" y="1107"/>
+                    <a:pt x="84" y="1155"/>
+                  </a:cubicBezTo>
+                  <a:cubicBezTo>
+                    <a:pt x="117" y="1178"/>
+                    <a:pt x="151" y="1189"/>
+                    <a:pt x="183" y="1189"/>
+                  </a:cubicBezTo>
+                  <a:cubicBezTo>
+                    <a:pt x="234" y="1189"/>
+                    <a:pt x="281" y="1163"/>
+                    <a:pt x="310" y="1119"/>
                   </a:cubicBezTo>
                   <a:lnTo>
-                    <a:pt x="3274" y="1691"/>
-                  </a:lnTo>
-                  <a:cubicBezTo>
-                    <a:pt x="3358" y="1691"/>
-                    <a:pt x="3429" y="1620"/>
-                    <a:pt x="3429" y="1525"/>
-                  </a:cubicBezTo>
-                  <a:cubicBezTo>
-                    <a:pt x="3429" y="1441"/>
-                    <a:pt x="3358" y="1358"/>
-                    <a:pt x="3274" y="1358"/>
-                  </a:cubicBezTo>
-                  <a:lnTo>
-                    <a:pt x="2751" y="1358"/>
-                  </a:lnTo>
-                  <a:cubicBezTo>
-                    <a:pt x="2751" y="1358"/>
-                    <a:pt x="2727" y="1358"/>
-                    <a:pt x="2727" y="1346"/>
-                  </a:cubicBezTo>
-                  <a:lnTo>
-                    <a:pt x="2727" y="346"/>
+                    <a:pt x="715" y="619"/>
                   </a:lnTo>
                   <a:lnTo>
-                    <a:pt x="3751" y="1358"/>
+                    <a:pt x="715" y="2060"/>
                   </a:lnTo>
                   <a:cubicBezTo>
-                    <a:pt x="3775" y="1394"/>
-                    <a:pt x="3798" y="1441"/>
-                    <a:pt x="3798" y="1501"/>
+                    <a:pt x="715" y="2143"/>
+                    <a:pt x="787" y="2227"/>
+                    <a:pt x="882" y="2227"/>
+                  </a:cubicBezTo>
+                  <a:cubicBezTo>
+                    <a:pt x="965" y="2227"/>
+                    <a:pt x="1048" y="2143"/>
+                    <a:pt x="1048" y="2060"/>
                   </a:cubicBezTo>
                   <a:lnTo>
-                    <a:pt x="3798" y="5180"/>
+                    <a:pt x="1048" y="619"/>
                   </a:lnTo>
                   <a:lnTo>
-                    <a:pt x="3810" y="5180"/>
+                    <a:pt x="1441" y="1119"/>
                   </a:lnTo>
+                  <a:cubicBezTo>
+                    <a:pt x="1477" y="1167"/>
+                    <a:pt x="1513" y="1179"/>
+                    <a:pt x="1560" y="1179"/>
+                  </a:cubicBezTo>
+                  <a:cubicBezTo>
+                    <a:pt x="1596" y="1179"/>
+                    <a:pt x="1644" y="1167"/>
+                    <a:pt x="1668" y="1155"/>
+                  </a:cubicBezTo>
+                  <a:cubicBezTo>
+                    <a:pt x="1715" y="1107"/>
+                    <a:pt x="1727" y="1000"/>
+                    <a:pt x="1668" y="929"/>
+                  </a:cubicBezTo>
                   <a:lnTo>
-                    <a:pt x="334" y="5192"/>
+                    <a:pt x="989" y="60"/>
                   </a:lnTo>
                   <a:cubicBezTo>
-                    <a:pt x="334" y="5192"/>
-                    <a:pt x="322" y="5192"/>
-                    <a:pt x="322" y="5180"/>
-                  </a:cubicBezTo>
-                  <a:lnTo>
-                    <a:pt x="322" y="334"/>
-                  </a:lnTo>
-                  <a:cubicBezTo>
-                    <a:pt x="322" y="334"/>
-                    <a:pt x="322" y="322"/>
-                    <a:pt x="334" y="322"/>
-                  </a:cubicBezTo>
-                  <a:close/>
-                  <a:moveTo>
-                    <a:pt x="322" y="1"/>
-                  </a:moveTo>
-                  <a:cubicBezTo>
-                    <a:pt x="143" y="1"/>
-                    <a:pt x="0" y="144"/>
-                    <a:pt x="0" y="322"/>
-                  </a:cubicBezTo>
-                  <a:lnTo>
-                    <a:pt x="0" y="5156"/>
-                  </a:lnTo>
-                  <a:cubicBezTo>
-                    <a:pt x="0" y="5335"/>
-                    <a:pt x="143" y="5489"/>
-                    <a:pt x="322" y="5489"/>
-                  </a:cubicBezTo>
-                  <a:lnTo>
-                    <a:pt x="3775" y="5489"/>
-                  </a:lnTo>
-                  <a:cubicBezTo>
-                    <a:pt x="3953" y="5489"/>
-                    <a:pt x="4108" y="5335"/>
-                    <a:pt x="4108" y="5156"/>
-                  </a:cubicBezTo>
-                  <a:lnTo>
-                    <a:pt x="4108" y="1501"/>
-                  </a:lnTo>
-                  <a:cubicBezTo>
-                    <a:pt x="4120" y="1382"/>
-                    <a:pt x="4072" y="1251"/>
-                    <a:pt x="3965" y="1156"/>
-                  </a:cubicBezTo>
-                  <a:lnTo>
-                    <a:pt x="2953" y="144"/>
-                  </a:lnTo>
-                  <a:cubicBezTo>
-                    <a:pt x="2870" y="48"/>
-                    <a:pt x="2739" y="1"/>
-                    <a:pt x="2596" y="1"/>
+                    <a:pt x="953" y="24"/>
+                    <a:pt x="906" y="0"/>
+                    <a:pt x="870" y="0"/>
                   </a:cubicBezTo>
                   <a:close/>
                 </a:path>
@@ -30155,83 +30257,55 @@
           </p:nvSpPr>
           <p:spPr>
             <a:xfrm>
-              <a:off x="1965485" y="2639893"/>
-              <a:ext cx="55002" cy="70885"/>
+              <a:off x="1965103" y="2503406"/>
+              <a:ext cx="43989" cy="31162"/>
             </a:xfrm>
             <a:custGeom>
               <a:rect b="b" l="l" r="r" t="t"/>
               <a:pathLst>
-                <a:path extrusionOk="0" h="2227" w="1728">
+                <a:path extrusionOk="0" h="979" w="1382">
                   <a:moveTo>
-                    <a:pt x="870" y="0"/>
+                    <a:pt x="181" y="0"/>
                   </a:moveTo>
                   <a:cubicBezTo>
-                    <a:pt x="822" y="0"/>
-                    <a:pt x="775" y="36"/>
-                    <a:pt x="751" y="60"/>
-                  </a:cubicBezTo>
-                  <a:lnTo>
-                    <a:pt x="60" y="929"/>
-                  </a:lnTo>
-                  <a:cubicBezTo>
-                    <a:pt x="1" y="1000"/>
-                    <a:pt x="13" y="1107"/>
-                    <a:pt x="84" y="1155"/>
-                  </a:cubicBezTo>
-                  <a:cubicBezTo>
-                    <a:pt x="117" y="1178"/>
-                    <a:pt x="151" y="1189"/>
-                    <a:pt x="183" y="1189"/>
-                  </a:cubicBezTo>
-                  <a:cubicBezTo>
-                    <a:pt x="234" y="1189"/>
-                    <a:pt x="281" y="1163"/>
-                    <a:pt x="310" y="1119"/>
-                  </a:cubicBezTo>
-                  <a:lnTo>
-                    <a:pt x="715" y="619"/>
-                  </a:lnTo>
-                  <a:lnTo>
-                    <a:pt x="715" y="2060"/>
-                  </a:lnTo>
-                  <a:cubicBezTo>
-                    <a:pt x="715" y="2143"/>
-                    <a:pt x="787" y="2227"/>
-                    <a:pt x="882" y="2227"/>
-                  </a:cubicBezTo>
-                  <a:cubicBezTo>
-                    <a:pt x="965" y="2227"/>
-                    <a:pt x="1048" y="2143"/>
-                    <a:pt x="1048" y="2060"/>
-                  </a:cubicBezTo>
-                  <a:lnTo>
-                    <a:pt x="1048" y="619"/>
-                  </a:lnTo>
-                  <a:lnTo>
-                    <a:pt x="1441" y="1119"/>
-                  </a:lnTo>
-                  <a:cubicBezTo>
-                    <a:pt x="1477" y="1167"/>
-                    <a:pt x="1513" y="1179"/>
-                    <a:pt x="1560" y="1179"/>
-                  </a:cubicBezTo>
-                  <a:cubicBezTo>
-                    <a:pt x="1596" y="1179"/>
-                    <a:pt x="1644" y="1167"/>
-                    <a:pt x="1668" y="1155"/>
-                  </a:cubicBezTo>
-                  <a:cubicBezTo>
-                    <a:pt x="1715" y="1107"/>
-                    <a:pt x="1727" y="1000"/>
-                    <a:pt x="1668" y="929"/>
-                  </a:cubicBezTo>
-                  <a:lnTo>
-                    <a:pt x="989" y="60"/>
-                  </a:lnTo>
-                  <a:cubicBezTo>
-                    <a:pt x="953" y="24"/>
-                    <a:pt x="906" y="0"/>
-                    <a:pt x="870" y="0"/>
+                    <a:pt x="104" y="0"/>
+                    <a:pt x="24" y="56"/>
+                    <a:pt x="13" y="121"/>
+                  </a:cubicBezTo>
+                  <a:cubicBezTo>
+                    <a:pt x="1" y="216"/>
+                    <a:pt x="60" y="300"/>
+                    <a:pt x="132" y="323"/>
+                  </a:cubicBezTo>
+                  <a:cubicBezTo>
+                    <a:pt x="501" y="395"/>
+                    <a:pt x="846" y="597"/>
+                    <a:pt x="1072" y="919"/>
+                  </a:cubicBezTo>
+                  <a:cubicBezTo>
+                    <a:pt x="1096" y="954"/>
+                    <a:pt x="1144" y="978"/>
+                    <a:pt x="1203" y="978"/>
+                  </a:cubicBezTo>
+                  <a:cubicBezTo>
+                    <a:pt x="1227" y="978"/>
+                    <a:pt x="1275" y="954"/>
+                    <a:pt x="1310" y="942"/>
+                  </a:cubicBezTo>
+                  <a:cubicBezTo>
+                    <a:pt x="1370" y="895"/>
+                    <a:pt x="1382" y="800"/>
+                    <a:pt x="1334" y="716"/>
+                  </a:cubicBezTo>
+                  <a:cubicBezTo>
+                    <a:pt x="1060" y="347"/>
+                    <a:pt x="656" y="97"/>
+                    <a:pt x="203" y="2"/>
+                  </a:cubicBezTo>
+                  <a:cubicBezTo>
+                    <a:pt x="196" y="1"/>
+                    <a:pt x="189" y="0"/>
+                    <a:pt x="181" y="0"/>
                   </a:cubicBezTo>
                   <a:close/>
                 </a:path>
@@ -30285,108 +30359,6 @@
           </p:nvSpPr>
           <p:spPr>
             <a:xfrm>
-              <a:off x="1965103" y="2503406"/>
-              <a:ext cx="43989" cy="31162"/>
-            </a:xfrm>
-            <a:custGeom>
-              <a:rect b="b" l="l" r="r" t="t"/>
-              <a:pathLst>
-                <a:path extrusionOk="0" h="979" w="1382">
-                  <a:moveTo>
-                    <a:pt x="181" y="0"/>
-                  </a:moveTo>
-                  <a:cubicBezTo>
-                    <a:pt x="104" y="0"/>
-                    <a:pt x="24" y="56"/>
-                    <a:pt x="13" y="121"/>
-                  </a:cubicBezTo>
-                  <a:cubicBezTo>
-                    <a:pt x="1" y="216"/>
-                    <a:pt x="60" y="300"/>
-                    <a:pt x="132" y="323"/>
-                  </a:cubicBezTo>
-                  <a:cubicBezTo>
-                    <a:pt x="501" y="395"/>
-                    <a:pt x="846" y="597"/>
-                    <a:pt x="1072" y="919"/>
-                  </a:cubicBezTo>
-                  <a:cubicBezTo>
-                    <a:pt x="1096" y="954"/>
-                    <a:pt x="1144" y="978"/>
-                    <a:pt x="1203" y="978"/>
-                  </a:cubicBezTo>
-                  <a:cubicBezTo>
-                    <a:pt x="1227" y="978"/>
-                    <a:pt x="1275" y="954"/>
-                    <a:pt x="1310" y="942"/>
-                  </a:cubicBezTo>
-                  <a:cubicBezTo>
-                    <a:pt x="1370" y="895"/>
-                    <a:pt x="1382" y="800"/>
-                    <a:pt x="1334" y="716"/>
-                  </a:cubicBezTo>
-                  <a:cubicBezTo>
-                    <a:pt x="1060" y="347"/>
-                    <a:pt x="656" y="97"/>
-                    <a:pt x="203" y="2"/>
-                  </a:cubicBezTo>
-                  <a:cubicBezTo>
-                    <a:pt x="196" y="1"/>
-                    <a:pt x="189" y="0"/>
-                    <a:pt x="181" y="0"/>
-                  </a:cubicBezTo>
-                  <a:close/>
-                </a:path>
-              </a:pathLst>
-            </a:custGeom>
-            <a:gradFill>
-              <a:gsLst>
-                <a:gs pos="0">
-                  <a:srgbClr val="8BE3FF"/>
-                </a:gs>
-                <a:gs pos="100000">
-                  <a:srgbClr val="ACFFD9"/>
-                </a:gs>
-              </a:gsLst>
-              <a:path path="circle">
-                <a:fillToRect b="50%" l="50%" r="50%" t="50%"/>
-              </a:path>
-              <a:tileRect/>
-            </a:gradFill>
-            <a:ln>
-              <a:noFill/>
-            </a:ln>
-          </p:spPr>
-          <p:txBody>
-            <a:bodyPr anchorCtr="0" anchor="ctr" bIns="91425" lIns="91425" spcFirstLastPara="1" rIns="91425" wrap="square" tIns="91425">
-              <a:noAutofit/>
-            </a:bodyPr>
-            <a:lstStyle/>
-            <a:p>
-              <a:pPr indent="0" lvl="0" marL="0" rtl="0" algn="l">
-                <a:spcBef>
-                  <a:spcPts val="0"/>
-                </a:spcBef>
-                <a:spcAft>
-                  <a:spcPts val="0"/>
-                </a:spcAft>
-                <a:buNone/>
-              </a:pPr>
-              <a:r>
-                <a:t/>
-              </a:r>
-              <a:endParaRPr/>
-            </a:p>
-          </p:txBody>
-        </p:sp>
-        <p:sp>
-          <p:nvSpPr>
-            <p:cNvPr id="303" name="Google Shape;303;p28"/>
-            <p:cNvSpPr/>
-            <p:nvPr/>
-          </p:nvSpPr>
-          <p:spPr>
-            <a:xfrm>
               <a:off x="2052668" y="2537369"/>
               <a:ext cx="34504" cy="30175"/>
             </a:xfrm>
@@ -30484,7 +30456,7 @@
       </p:grpSp>
       <p:sp>
         <p:nvSpPr>
-          <p:cNvPr id="304" name="Google Shape;304;p28"/>
+          <p:cNvPr id="303" name="Google Shape;303;p28"/>
           <p:cNvSpPr txBox="1"/>
           <p:nvPr/>
         </p:nvSpPr>
@@ -30540,6 +30512,40 @@
           </a:p>
         </p:txBody>
       </p:sp>
+      <p:pic>
+        <p:nvPicPr>
+          <p:cNvPr id="304" name="Google Shape;304;p28"/>
+          <p:cNvPicPr preferRelativeResize="0"/>
+          <p:nvPr/>
+        </p:nvPicPr>
+        <p:blipFill>
+          <a:blip r:embed="rId6">
+            <a:alphaModFix/>
+          </a:blip>
+          <a:stretch>
+            <a:fillRect/>
+          </a:stretch>
+        </p:blipFill>
+        <p:spPr>
+          <a:xfrm>
+            <a:off x="184775" y="1274025"/>
+            <a:ext cx="4996001" cy="2901375"/>
+          </a:xfrm>
+          <a:prstGeom prst="rect">
+            <a:avLst/>
+          </a:prstGeom>
+          <a:noFill/>
+          <a:ln cap="flat" cmpd="sng" w="28575">
+            <a:solidFill>
+              <a:schemeClr val="accent1"/>
+            </a:solidFill>
+            <a:prstDash val="solid"/>
+            <a:round/>
+            <a:headEnd len="sm" w="sm" type="none"/>
+            <a:tailEnd len="sm" w="sm" type="none"/>
+          </a:ln>
+        </p:spPr>
+      </p:pic>
     </p:spTree>
   </p:cSld>
   <p:clrMapOvr>
@@ -36949,6 +36955,285 @@
 </file>
 
 <file path=ppt/theme/theme1.xml><?xml version="1.0" encoding="utf-8"?>
+<a:theme xmlns:a="http://schemas.openxmlformats.org/drawingml/2006/main" xmlns:r="http://schemas.openxmlformats.org/officeDocument/2006/relationships" name="Cyber Security Business Plan">
+  <a:themeElements>
+    <a:clrScheme name="Simple Light">
+      <a:dk1>
+        <a:srgbClr val="000000"/>
+      </a:dk1>
+      <a:lt1>
+        <a:srgbClr val="FFFFFF"/>
+      </a:lt1>
+      <a:dk2>
+        <a:srgbClr val="595959"/>
+      </a:dk2>
+      <a:lt2>
+        <a:srgbClr val="1F1C51"/>
+      </a:lt2>
+      <a:accent1>
+        <a:srgbClr val="1F1C51"/>
+      </a:accent1>
+      <a:accent2>
+        <a:srgbClr val="ACFFD9"/>
+      </a:accent2>
+      <a:accent3>
+        <a:srgbClr val="C6FF00"/>
+      </a:accent3>
+      <a:accent4>
+        <a:srgbClr val="FFFFFF"/>
+      </a:accent4>
+      <a:accent5>
+        <a:srgbClr val="A8C987"/>
+      </a:accent5>
+      <a:accent6>
+        <a:srgbClr val="8BE3FF"/>
+      </a:accent6>
+      <a:hlink>
+        <a:srgbClr val="1F1C51"/>
+      </a:hlink>
+      <a:folHlink>
+        <a:srgbClr val="0097A7"/>
+      </a:folHlink>
+    </a:clrScheme>
+    <a:fontScheme name="Office">
+      <a:majorFont>
+        <a:latin typeface="Arial"/>
+        <a:ea typeface=""/>
+        <a:cs typeface=""/>
+        <a:font script="Jpan" typeface="ＭＳ Ｐゴシック"/>
+        <a:font script="Hang" typeface="맑은 고딕"/>
+        <a:font script="Hans" typeface="宋体"/>
+        <a:font script="Hant" typeface="新細明體"/>
+        <a:font script="Arab" typeface="Times New Roman"/>
+        <a:font script="Hebr" typeface="Times New Roman"/>
+        <a:font script="Thai" typeface="Angsana New"/>
+        <a:font script="Ethi" typeface="Nyala"/>
+        <a:font script="Beng" typeface="Vrinda"/>
+        <a:font script="Gujr" typeface="Shruti"/>
+        <a:font script="Khmr" typeface="MoolBoran"/>
+        <a:font script="Knda" typeface="Tunga"/>
+        <a:font script="Guru" typeface="Raavi"/>
+        <a:font script="Cans" typeface="Euphemia"/>
+        <a:font script="Cher" typeface="Plantagenet Cherokee"/>
+        <a:font script="Yiii" typeface="Microsoft Yi Baiti"/>
+        <a:font script="Tibt" typeface="Microsoft Himalaya"/>
+        <a:font script="Thaa" typeface="MV Boli"/>
+        <a:font script="Deva" typeface="Mangal"/>
+        <a:font script="Telu" typeface="Gautami"/>
+        <a:font script="Taml" typeface="Latha"/>
+        <a:font script="Syrc" typeface="Estrangelo Edessa"/>
+        <a:font script="Orya" typeface="Kalinga"/>
+        <a:font script="Mlym" typeface="Kartika"/>
+        <a:font script="Laoo" typeface="DokChampa"/>
+        <a:font script="Sinh" typeface="Iskoola Pota"/>
+        <a:font script="Mong" typeface="Mongolian Baiti"/>
+        <a:font script="Viet" typeface="Times New Roman"/>
+        <a:font script="Uigh" typeface="Microsoft Uighur"/>
+        <a:font script="Geor" typeface="Sylfaen"/>
+      </a:majorFont>
+      <a:minorFont>
+        <a:latin typeface="Arial"/>
+        <a:ea typeface=""/>
+        <a:cs typeface=""/>
+        <a:font script="Jpan" typeface="ＭＳ Ｐゴシック"/>
+        <a:font script="Hang" typeface="맑은 고딕"/>
+        <a:font script="Hans" typeface="宋体"/>
+        <a:font script="Hant" typeface="新細明體"/>
+        <a:font script="Arab" typeface="Arial"/>
+        <a:font script="Hebr" typeface="Arial"/>
+        <a:font script="Thai" typeface="Cordia New"/>
+        <a:font script="Ethi" typeface="Nyala"/>
+        <a:font script="Beng" typeface="Vrinda"/>
+        <a:font script="Gujr" typeface="Shruti"/>
+        <a:font script="Khmr" typeface="DaunPenh"/>
+        <a:font script="Knda" typeface="Tunga"/>
+        <a:font script="Guru" typeface="Raavi"/>
+        <a:font script="Cans" typeface="Euphemia"/>
+        <a:font script="Cher" typeface="Plantagenet Cherokee"/>
+        <a:font script="Yiii" typeface="Microsoft Yi Baiti"/>
+        <a:font script="Tibt" typeface="Microsoft Himalaya"/>
+        <a:font script="Thaa" typeface="MV Boli"/>
+        <a:font script="Deva" typeface="Mangal"/>
+        <a:font script="Telu" typeface="Gautami"/>
+        <a:font script="Taml" typeface="Latha"/>
+        <a:font script="Syrc" typeface="Estrangelo Edessa"/>
+        <a:font script="Orya" typeface="Kalinga"/>
+        <a:font script="Mlym" typeface="Kartika"/>
+        <a:font script="Laoo" typeface="DokChampa"/>
+        <a:font script="Sinh" typeface="Iskoola Pota"/>
+        <a:font script="Mong" typeface="Mongolian Baiti"/>
+        <a:font script="Viet" typeface="Arial"/>
+        <a:font script="Uigh" typeface="Microsoft Uighur"/>
+        <a:font script="Geor" typeface="Sylfaen"/>
+      </a:minorFont>
+    </a:fontScheme>
+    <a:fmtScheme name="Office">
+      <a:fillStyleLst>
+        <a:solidFill>
+          <a:schemeClr val="phClr"/>
+        </a:solidFill>
+        <a:gradFill rotWithShape="1">
+          <a:gsLst>
+            <a:gs pos="0">
+              <a:schemeClr val="phClr">
+                <a:tint val="50000"/>
+                <a:satMod val="300000"/>
+              </a:schemeClr>
+            </a:gs>
+            <a:gs pos="35000">
+              <a:schemeClr val="phClr">
+                <a:tint val="37000"/>
+                <a:satMod val="300000"/>
+              </a:schemeClr>
+            </a:gs>
+            <a:gs pos="100000">
+              <a:schemeClr val="phClr">
+                <a:tint val="15000"/>
+                <a:satMod val="350000"/>
+              </a:schemeClr>
+            </a:gs>
+          </a:gsLst>
+          <a:lin ang="16200000" scaled="1"/>
+        </a:gradFill>
+        <a:gradFill rotWithShape="1">
+          <a:gsLst>
+            <a:gs pos="0">
+              <a:schemeClr val="phClr">
+                <a:tint val="100000"/>
+                <a:shade val="100000"/>
+                <a:satMod val="130000"/>
+              </a:schemeClr>
+            </a:gs>
+            <a:gs pos="100000">
+              <a:schemeClr val="phClr">
+                <a:tint val="50000"/>
+                <a:shade val="100000"/>
+                <a:satMod val="350000"/>
+              </a:schemeClr>
+            </a:gs>
+          </a:gsLst>
+          <a:lin ang="16200000" scaled="0"/>
+        </a:gradFill>
+      </a:fillStyleLst>
+      <a:lnStyleLst>
+        <a:ln w="9525" cap="flat" cmpd="sng" algn="ctr">
+          <a:solidFill>
+            <a:schemeClr val="phClr">
+              <a:shade val="95000"/>
+              <a:satMod val="105000"/>
+            </a:schemeClr>
+          </a:solidFill>
+          <a:prstDash val="solid"/>
+        </a:ln>
+        <a:ln w="25400" cap="flat" cmpd="sng" algn="ctr">
+          <a:solidFill>
+            <a:schemeClr val="phClr"/>
+          </a:solidFill>
+          <a:prstDash val="solid"/>
+        </a:ln>
+        <a:ln w="38100" cap="flat" cmpd="sng" algn="ctr">
+          <a:solidFill>
+            <a:schemeClr val="phClr"/>
+          </a:solidFill>
+          <a:prstDash val="solid"/>
+        </a:ln>
+      </a:lnStyleLst>
+      <a:effectStyleLst>
+        <a:effectStyle>
+          <a:effectLst>
+            <a:outerShdw blurRad="40000" dist="20000" dir="5400000" rotWithShape="0">
+              <a:srgbClr val="000000">
+                <a:alpha val="38000"/>
+              </a:srgbClr>
+            </a:outerShdw>
+          </a:effectLst>
+        </a:effectStyle>
+        <a:effectStyle>
+          <a:effectLst>
+            <a:outerShdw blurRad="40000" dist="23000" dir="5400000" rotWithShape="0">
+              <a:srgbClr val="000000">
+                <a:alpha val="35000"/>
+              </a:srgbClr>
+            </a:outerShdw>
+          </a:effectLst>
+        </a:effectStyle>
+        <a:effectStyle>
+          <a:effectLst>
+            <a:outerShdw blurRad="40000" dist="23000" dir="5400000" rotWithShape="0">
+              <a:srgbClr val="000000">
+                <a:alpha val="35000"/>
+              </a:srgbClr>
+            </a:outerShdw>
+          </a:effectLst>
+          <a:scene3d>
+            <a:camera prst="orthographicFront">
+              <a:rot lat="0" lon="0" rev="0"/>
+            </a:camera>
+            <a:lightRig rig="threePt" dir="t">
+              <a:rot lat="0" lon="0" rev="1200000"/>
+            </a:lightRig>
+          </a:scene3d>
+          <a:sp3d>
+            <a:bevelT w="63500" h="25400"/>
+          </a:sp3d>
+        </a:effectStyle>
+      </a:effectStyleLst>
+      <a:bgFillStyleLst>
+        <a:solidFill>
+          <a:schemeClr val="phClr"/>
+        </a:solidFill>
+        <a:gradFill rotWithShape="1">
+          <a:gsLst>
+            <a:gs pos="0">
+              <a:schemeClr val="phClr">
+                <a:tint val="40000"/>
+                <a:satMod val="350000"/>
+              </a:schemeClr>
+            </a:gs>
+            <a:gs pos="40000">
+              <a:schemeClr val="phClr">
+                <a:tint val="45000"/>
+                <a:shade val="99000"/>
+                <a:satMod val="350000"/>
+              </a:schemeClr>
+            </a:gs>
+            <a:gs pos="100000">
+              <a:schemeClr val="phClr">
+                <a:shade val="20000"/>
+                <a:satMod val="255000"/>
+              </a:schemeClr>
+            </a:gs>
+          </a:gsLst>
+          <a:path path="circle">
+            <a:fillToRect l="50000" t="-80000" r="50000" b="180000"/>
+          </a:path>
+        </a:gradFill>
+        <a:gradFill rotWithShape="1">
+          <a:gsLst>
+            <a:gs pos="0">
+              <a:schemeClr val="phClr">
+                <a:tint val="80000"/>
+                <a:satMod val="300000"/>
+              </a:schemeClr>
+            </a:gs>
+            <a:gs pos="100000">
+              <a:schemeClr val="phClr">
+                <a:shade val="30000"/>
+                <a:satMod val="200000"/>
+              </a:schemeClr>
+            </a:gs>
+          </a:gsLst>
+          <a:path path="circle">
+            <a:fillToRect l="50000" t="50000" r="50000" b="50000"/>
+          </a:path>
+        </a:gradFill>
+      </a:bgFillStyleLst>
+    </a:fmtScheme>
+  </a:themeElements>
+</a:theme>
+</file>
+
+<file path=ppt/theme/theme2.xml><?xml version="1.0" encoding="utf-8"?>
 <a:theme xmlns:a="http://schemas.openxmlformats.org/drawingml/2006/main" xmlns:r="http://schemas.openxmlformats.org/officeDocument/2006/relationships">
   <a:themeElements>
     <a:clrScheme name="Default">
@@ -37225,283 +37510,4 @@
     </a:fmtScheme>
   </a:themeElements>
 </a:theme>
-</file>
-
-<file path=ppt/theme/theme2.xml><?xml version="1.0" encoding="utf-8"?>
-<a:theme xmlns:a="http://schemas.openxmlformats.org/drawingml/2006/main" xmlns:r="http://schemas.openxmlformats.org/officeDocument/2006/relationships" name="Cyber Security Business Plan">
-  <a:themeElements>
-    <a:clrScheme name="Simple Light">
-      <a:dk1>
-        <a:srgbClr val="000000"/>
-      </a:dk1>
-      <a:lt1>
-        <a:srgbClr val="FFFFFF"/>
-      </a:lt1>
-      <a:dk2>
-        <a:srgbClr val="595959"/>
-      </a:dk2>
-      <a:lt2>
-        <a:srgbClr val="1F1C51"/>
-      </a:lt2>
-      <a:accent1>
-        <a:srgbClr val="1F1C51"/>
-      </a:accent1>
-      <a:accent2>
-        <a:srgbClr val="ACFFD9"/>
-      </a:accent2>
-      <a:accent3>
-        <a:srgbClr val="C6FF00"/>
-      </a:accent3>
-      <a:accent4>
-        <a:srgbClr val="FFFFFF"/>
-      </a:accent4>
-      <a:accent5>
-        <a:srgbClr val="A8C987"/>
-      </a:accent5>
-      <a:accent6>
-        <a:srgbClr val="8BE3FF"/>
-      </a:accent6>
-      <a:hlink>
-        <a:srgbClr val="1F1C51"/>
-      </a:hlink>
-      <a:folHlink>
-        <a:srgbClr val="0097A7"/>
-      </a:folHlink>
-    </a:clrScheme>
-    <a:fontScheme name="Office">
-      <a:majorFont>
-        <a:latin typeface="Arial"/>
-        <a:ea typeface=""/>
-        <a:cs typeface=""/>
-        <a:font script="Jpan" typeface="ＭＳ Ｐゴシック"/>
-        <a:font script="Hang" typeface="맑은 고딕"/>
-        <a:font script="Hans" typeface="宋体"/>
-        <a:font script="Hant" typeface="新細明體"/>
-        <a:font script="Arab" typeface="Times New Roman"/>
-        <a:font script="Hebr" typeface="Times New Roman"/>
-        <a:font script="Thai" typeface="Angsana New"/>
-        <a:font script="Ethi" typeface="Nyala"/>
-        <a:font script="Beng" typeface="Vrinda"/>
-        <a:font script="Gujr" typeface="Shruti"/>
-        <a:font script="Khmr" typeface="MoolBoran"/>
-        <a:font script="Knda" typeface="Tunga"/>
-        <a:font script="Guru" typeface="Raavi"/>
-        <a:font script="Cans" typeface="Euphemia"/>
-        <a:font script="Cher" typeface="Plantagenet Cherokee"/>
-        <a:font script="Yiii" typeface="Microsoft Yi Baiti"/>
-        <a:font script="Tibt" typeface="Microsoft Himalaya"/>
-        <a:font script="Thaa" typeface="MV Boli"/>
-        <a:font script="Deva" typeface="Mangal"/>
-        <a:font script="Telu" typeface="Gautami"/>
-        <a:font script="Taml" typeface="Latha"/>
-        <a:font script="Syrc" typeface="Estrangelo Edessa"/>
-        <a:font script="Orya" typeface="Kalinga"/>
-        <a:font script="Mlym" typeface="Kartika"/>
-        <a:font script="Laoo" typeface="DokChampa"/>
-        <a:font script="Sinh" typeface="Iskoola Pota"/>
-        <a:font script="Mong" typeface="Mongolian Baiti"/>
-        <a:font script="Viet" typeface="Times New Roman"/>
-        <a:font script="Uigh" typeface="Microsoft Uighur"/>
-        <a:font script="Geor" typeface="Sylfaen"/>
-      </a:majorFont>
-      <a:minorFont>
-        <a:latin typeface="Arial"/>
-        <a:ea typeface=""/>
-        <a:cs typeface=""/>
-        <a:font script="Jpan" typeface="ＭＳ Ｐゴシック"/>
-        <a:font script="Hang" typeface="맑은 고딕"/>
-        <a:font script="Hans" typeface="宋体"/>
-        <a:font script="Hant" typeface="新細明體"/>
-        <a:font script="Arab" typeface="Arial"/>
-        <a:font script="Hebr" typeface="Arial"/>
-        <a:font script="Thai" typeface="Cordia New"/>
-        <a:font script="Ethi" typeface="Nyala"/>
-        <a:font script="Beng" typeface="Vrinda"/>
-        <a:font script="Gujr" typeface="Shruti"/>
-        <a:font script="Khmr" typeface="DaunPenh"/>
-        <a:font script="Knda" typeface="Tunga"/>
-        <a:font script="Guru" typeface="Raavi"/>
-        <a:font script="Cans" typeface="Euphemia"/>
-        <a:font script="Cher" typeface="Plantagenet Cherokee"/>
-        <a:font script="Yiii" typeface="Microsoft Yi Baiti"/>
-        <a:font script="Tibt" typeface="Microsoft Himalaya"/>
-        <a:font script="Thaa" typeface="MV Boli"/>
-        <a:font script="Deva" typeface="Mangal"/>
-        <a:font script="Telu" typeface="Gautami"/>
-        <a:font script="Taml" typeface="Latha"/>
-        <a:font script="Syrc" typeface="Estrangelo Edessa"/>
-        <a:font script="Orya" typeface="Kalinga"/>
-        <a:font script="Mlym" typeface="Kartika"/>
-        <a:font script="Laoo" typeface="DokChampa"/>
-        <a:font script="Sinh" typeface="Iskoola Pota"/>
-        <a:font script="Mong" typeface="Mongolian Baiti"/>
-        <a:font script="Viet" typeface="Arial"/>
-        <a:font script="Uigh" typeface="Microsoft Uighur"/>
-        <a:font script="Geor" typeface="Sylfaen"/>
-      </a:minorFont>
-    </a:fontScheme>
-    <a:fmtScheme name="Office">
-      <a:fillStyleLst>
-        <a:solidFill>
-          <a:schemeClr val="phClr"/>
-        </a:solidFill>
-        <a:gradFill rotWithShape="1">
-          <a:gsLst>
-            <a:gs pos="0">
-              <a:schemeClr val="phClr">
-                <a:tint val="50000"/>
-                <a:satMod val="300000"/>
-              </a:schemeClr>
-            </a:gs>
-            <a:gs pos="35000">
-              <a:schemeClr val="phClr">
-                <a:tint val="37000"/>
-                <a:satMod val="300000"/>
-              </a:schemeClr>
-            </a:gs>
-            <a:gs pos="100000">
-              <a:schemeClr val="phClr">
-                <a:tint val="15000"/>
-                <a:satMod val="350000"/>
-              </a:schemeClr>
-            </a:gs>
-          </a:gsLst>
-          <a:lin ang="16200000" scaled="1"/>
-        </a:gradFill>
-        <a:gradFill rotWithShape="1">
-          <a:gsLst>
-            <a:gs pos="0">
-              <a:schemeClr val="phClr">
-                <a:tint val="100000"/>
-                <a:shade val="100000"/>
-                <a:satMod val="130000"/>
-              </a:schemeClr>
-            </a:gs>
-            <a:gs pos="100000">
-              <a:schemeClr val="phClr">
-                <a:tint val="50000"/>
-                <a:shade val="100000"/>
-                <a:satMod val="350000"/>
-              </a:schemeClr>
-            </a:gs>
-          </a:gsLst>
-          <a:lin ang="16200000" scaled="0"/>
-        </a:gradFill>
-      </a:fillStyleLst>
-      <a:lnStyleLst>
-        <a:ln w="9525" cap="flat" cmpd="sng" algn="ctr">
-          <a:solidFill>
-            <a:schemeClr val="phClr">
-              <a:shade val="95000"/>
-              <a:satMod val="105000"/>
-            </a:schemeClr>
-          </a:solidFill>
-          <a:prstDash val="solid"/>
-        </a:ln>
-        <a:ln w="25400" cap="flat" cmpd="sng" algn="ctr">
-          <a:solidFill>
-            <a:schemeClr val="phClr"/>
-          </a:solidFill>
-          <a:prstDash val="solid"/>
-        </a:ln>
-        <a:ln w="38100" cap="flat" cmpd="sng" algn="ctr">
-          <a:solidFill>
-            <a:schemeClr val="phClr"/>
-          </a:solidFill>
-          <a:prstDash val="solid"/>
-        </a:ln>
-      </a:lnStyleLst>
-      <a:effectStyleLst>
-        <a:effectStyle>
-          <a:effectLst>
-            <a:outerShdw blurRad="40000" dist="20000" dir="5400000" rotWithShape="0">
-              <a:srgbClr val="000000">
-                <a:alpha val="38000"/>
-              </a:srgbClr>
-            </a:outerShdw>
-          </a:effectLst>
-        </a:effectStyle>
-        <a:effectStyle>
-          <a:effectLst>
-            <a:outerShdw blurRad="40000" dist="23000" dir="5400000" rotWithShape="0">
-              <a:srgbClr val="000000">
-                <a:alpha val="35000"/>
-              </a:srgbClr>
-            </a:outerShdw>
-          </a:effectLst>
-        </a:effectStyle>
-        <a:effectStyle>
-          <a:effectLst>
-            <a:outerShdw blurRad="40000" dist="23000" dir="5400000" rotWithShape="0">
-              <a:srgbClr val="000000">
-                <a:alpha val="35000"/>
-              </a:srgbClr>
-            </a:outerShdw>
-          </a:effectLst>
-          <a:scene3d>
-            <a:camera prst="orthographicFront">
-              <a:rot lat="0" lon="0" rev="0"/>
-            </a:camera>
-            <a:lightRig rig="threePt" dir="t">
-              <a:rot lat="0" lon="0" rev="1200000"/>
-            </a:lightRig>
-          </a:scene3d>
-          <a:sp3d>
-            <a:bevelT w="63500" h="25400"/>
-          </a:sp3d>
-        </a:effectStyle>
-      </a:effectStyleLst>
-      <a:bgFillStyleLst>
-        <a:solidFill>
-          <a:schemeClr val="phClr"/>
-        </a:solidFill>
-        <a:gradFill rotWithShape="1">
-          <a:gsLst>
-            <a:gs pos="0">
-              <a:schemeClr val="phClr">
-                <a:tint val="40000"/>
-                <a:satMod val="350000"/>
-              </a:schemeClr>
-            </a:gs>
-            <a:gs pos="40000">
-              <a:schemeClr val="phClr">
-                <a:tint val="45000"/>
-                <a:shade val="99000"/>
-                <a:satMod val="350000"/>
-              </a:schemeClr>
-            </a:gs>
-            <a:gs pos="100000">
-              <a:schemeClr val="phClr">
-                <a:shade val="20000"/>
-                <a:satMod val="255000"/>
-              </a:schemeClr>
-            </a:gs>
-          </a:gsLst>
-          <a:path path="circle">
-            <a:fillToRect l="50000" t="-80000" r="50000" b="180000"/>
-          </a:path>
-        </a:gradFill>
-        <a:gradFill rotWithShape="1">
-          <a:gsLst>
-            <a:gs pos="0">
-              <a:schemeClr val="phClr">
-                <a:tint val="80000"/>
-                <a:satMod val="300000"/>
-              </a:schemeClr>
-            </a:gs>
-            <a:gs pos="100000">
-              <a:schemeClr val="phClr">
-                <a:shade val="30000"/>
-                <a:satMod val="200000"/>
-              </a:schemeClr>
-            </a:gs>
-          </a:gsLst>
-          <a:path path="circle">
-            <a:fillToRect l="50000" t="50000" r="50000" b="50000"/>
-          </a:path>
-        </a:gradFill>
-      </a:bgFillStyleLst>
-    </a:fmtScheme>
-  </a:themeElements>
-</a:theme>
 </file>